--- a/docs/cv/Jon-Paul Boyd Resume 20241020.pptx
+++ b/docs/cv/Jon-Paul Boyd Resume 20241020.pptx
@@ -209,7 +209,7 @@
           <a:p>
             <a:fld id="{0D642CF5-0F59-452D-A22D-9CF205FE8940}" type="datetimeFigureOut">
               <a:rPr lang="en-GB" smtClean="0"/>
-              <a:t>23/10/2024</a:t>
+              <a:t>30/03/2025</a:t>
             </a:fld>
             <a:endParaRPr lang="en-GB"/>
           </a:p>
@@ -826,7 +826,7 @@
           <a:p>
             <a:fld id="{7A88F2A5-D086-4936-BC29-0F70CC39936A}" type="datetimeFigureOut">
               <a:rPr lang="en-GB" smtClean="0"/>
-              <a:t>23/10/2024</a:t>
+              <a:t>30/03/2025</a:t>
             </a:fld>
             <a:endParaRPr lang="en-GB"/>
           </a:p>
@@ -996,7 +996,7 @@
           <a:p>
             <a:fld id="{7A88F2A5-D086-4936-BC29-0F70CC39936A}" type="datetimeFigureOut">
               <a:rPr lang="en-GB" smtClean="0"/>
-              <a:t>23/10/2024</a:t>
+              <a:t>30/03/2025</a:t>
             </a:fld>
             <a:endParaRPr lang="en-GB"/>
           </a:p>
@@ -1176,7 +1176,7 @@
           <a:p>
             <a:fld id="{7A88F2A5-D086-4936-BC29-0F70CC39936A}" type="datetimeFigureOut">
               <a:rPr lang="en-GB" smtClean="0"/>
-              <a:t>23/10/2024</a:t>
+              <a:t>30/03/2025</a:t>
             </a:fld>
             <a:endParaRPr lang="en-GB"/>
           </a:p>
@@ -1346,7 +1346,7 @@
           <a:p>
             <a:fld id="{7A88F2A5-D086-4936-BC29-0F70CC39936A}" type="datetimeFigureOut">
               <a:rPr lang="en-GB" smtClean="0"/>
-              <a:t>23/10/2024</a:t>
+              <a:t>30/03/2025</a:t>
             </a:fld>
             <a:endParaRPr lang="en-GB"/>
           </a:p>
@@ -1592,7 +1592,7 @@
           <a:p>
             <a:fld id="{7A88F2A5-D086-4936-BC29-0F70CC39936A}" type="datetimeFigureOut">
               <a:rPr lang="en-GB" smtClean="0"/>
-              <a:t>23/10/2024</a:t>
+              <a:t>30/03/2025</a:t>
             </a:fld>
             <a:endParaRPr lang="en-GB"/>
           </a:p>
@@ -1880,7 +1880,7 @@
           <a:p>
             <a:fld id="{7A88F2A5-D086-4936-BC29-0F70CC39936A}" type="datetimeFigureOut">
               <a:rPr lang="en-GB" smtClean="0"/>
-              <a:t>23/10/2024</a:t>
+              <a:t>30/03/2025</a:t>
             </a:fld>
             <a:endParaRPr lang="en-GB"/>
           </a:p>
@@ -2307,7 +2307,7 @@
           <a:p>
             <a:fld id="{7A88F2A5-D086-4936-BC29-0F70CC39936A}" type="datetimeFigureOut">
               <a:rPr lang="en-GB" smtClean="0"/>
-              <a:t>23/10/2024</a:t>
+              <a:t>30/03/2025</a:t>
             </a:fld>
             <a:endParaRPr lang="en-GB"/>
           </a:p>
@@ -2425,7 +2425,7 @@
           <a:p>
             <a:fld id="{7A88F2A5-D086-4936-BC29-0F70CC39936A}" type="datetimeFigureOut">
               <a:rPr lang="en-GB" smtClean="0"/>
-              <a:t>23/10/2024</a:t>
+              <a:t>30/03/2025</a:t>
             </a:fld>
             <a:endParaRPr lang="en-GB"/>
           </a:p>
@@ -2520,7 +2520,7 @@
           <a:p>
             <a:fld id="{7A88F2A5-D086-4936-BC29-0F70CC39936A}" type="datetimeFigureOut">
               <a:rPr lang="en-GB" smtClean="0"/>
-              <a:t>23/10/2024</a:t>
+              <a:t>30/03/2025</a:t>
             </a:fld>
             <a:endParaRPr lang="en-GB"/>
           </a:p>
@@ -2797,7 +2797,7 @@
           <a:p>
             <a:fld id="{7A88F2A5-D086-4936-BC29-0F70CC39936A}" type="datetimeFigureOut">
               <a:rPr lang="en-GB" smtClean="0"/>
-              <a:t>23/10/2024</a:t>
+              <a:t>30/03/2025</a:t>
             </a:fld>
             <a:endParaRPr lang="en-GB"/>
           </a:p>
@@ -3050,7 +3050,7 @@
           <a:p>
             <a:fld id="{7A88F2A5-D086-4936-BC29-0F70CC39936A}" type="datetimeFigureOut">
               <a:rPr lang="en-GB" smtClean="0"/>
-              <a:t>23/10/2024</a:t>
+              <a:t>30/03/2025</a:t>
             </a:fld>
             <a:endParaRPr lang="en-GB"/>
           </a:p>
@@ -3263,7 +3263,7 @@
           <a:p>
             <a:fld id="{7A88F2A5-D086-4936-BC29-0F70CC39936A}" type="datetimeFigureOut">
               <a:rPr lang="en-GB" smtClean="0"/>
-              <a:t>23/10/2024</a:t>
+              <a:t>30/03/2025</a:t>
             </a:fld>
             <a:endParaRPr lang="en-GB"/>
           </a:p>
@@ -3725,7 +3725,7 @@
               <a:rPr lang="en-US" sz="900" dirty="0">
                 <a:latin typeface="Futura LtCn BT" panose="020B0408020204030204" pitchFamily="34" charset="0"/>
               </a:rPr>
-              <a:t>translate complex use cases, organizational architecture, and AI concepts into tangible business value. Demonstrated expertise in technical leadership and democratizing AI knowledge with reference </a:t>
+              <a:t>translate complex use cases, enterprise architecture, and AI concepts into tangible business value. Demonstrated expertise in technical leadership and democratizing AI knowledge with reference </a:t>
             </a:r>
             <a:r>
               <a:rPr lang="en-US" sz="900" dirty="0" err="1">
